--- a/Tiles - Presentation 2.pptx
+++ b/Tiles - Presentation 2.pptx
@@ -8,11 +8,11 @@
     <p:sldId id="256" r:id="rId2"/>
     <p:sldId id="257" r:id="rId3"/>
     <p:sldId id="267" r:id="rId4"/>
-    <p:sldId id="272" r:id="rId5"/>
+    <p:sldId id="275" r:id="rId5"/>
     <p:sldId id="269" r:id="rId6"/>
-    <p:sldId id="270" r:id="rId7"/>
-    <p:sldId id="271" r:id="rId8"/>
-    <p:sldId id="273" r:id="rId9"/>
+    <p:sldId id="271" r:id="rId7"/>
+    <p:sldId id="273" r:id="rId8"/>
+    <p:sldId id="274" r:id="rId9"/>
     <p:sldId id="268" r:id="rId10"/>
   </p:sldIdLst>
   <p:sldSz cx="12192000" cy="6858000"/>
@@ -259,7 +259,7 @@
           <a:p>
             <a:fld id="{48A87A34-81AB-432B-8DAE-1953F412C126}" type="datetimeFigureOut">
               <a:rPr lang="en-US" smtClean="0"/>
-              <a:t>11/14/16</a:t>
+              <a:t>11/20/16</a:t>
             </a:fld>
             <a:endParaRPr lang="en-US" dirty="0"/>
           </a:p>
@@ -470,7 +470,7 @@
           <a:p>
             <a:fld id="{48A87A34-81AB-432B-8DAE-1953F412C126}" type="datetimeFigureOut">
               <a:rPr lang="en-US" smtClean="0"/>
-              <a:t>11/14/16</a:t>
+              <a:t>11/20/16</a:t>
             </a:fld>
             <a:endParaRPr lang="en-US" dirty="0"/>
           </a:p>
@@ -685,7 +685,7 @@
           <a:p>
             <a:fld id="{48A87A34-81AB-432B-8DAE-1953F412C126}" type="datetimeFigureOut">
               <a:rPr lang="en-US" smtClean="0"/>
-              <a:t>11/14/16</a:t>
+              <a:t>11/20/16</a:t>
             </a:fld>
             <a:endParaRPr lang="en-US" dirty="0"/>
           </a:p>
@@ -886,7 +886,7 @@
           <a:p>
             <a:fld id="{48A87A34-81AB-432B-8DAE-1953F412C126}" type="datetimeFigureOut">
               <a:rPr lang="en-US" smtClean="0"/>
-              <a:t>11/14/16</a:t>
+              <a:t>11/20/16</a:t>
             </a:fld>
             <a:endParaRPr lang="en-US" dirty="0"/>
           </a:p>
@@ -1165,7 +1165,7 @@
           <a:p>
             <a:fld id="{48A87A34-81AB-432B-8DAE-1953F412C126}" type="datetimeFigureOut">
               <a:rPr lang="en-US" smtClean="0"/>
-              <a:t>11/14/16</a:t>
+              <a:t>11/20/16</a:t>
             </a:fld>
             <a:endParaRPr lang="en-US" dirty="0"/>
           </a:p>
@@ -1433,7 +1433,7 @@
           <a:p>
             <a:fld id="{48A87A34-81AB-432B-8DAE-1953F412C126}" type="datetimeFigureOut">
               <a:rPr lang="en-US" smtClean="0"/>
-              <a:t>11/14/16</a:t>
+              <a:t>11/20/16</a:t>
             </a:fld>
             <a:endParaRPr lang="en-US" dirty="0"/>
           </a:p>
@@ -1849,7 +1849,7 @@
           <a:p>
             <a:fld id="{48A87A34-81AB-432B-8DAE-1953F412C126}" type="datetimeFigureOut">
               <a:rPr lang="en-US" smtClean="0"/>
-              <a:t>11/14/16</a:t>
+              <a:t>11/20/16</a:t>
             </a:fld>
             <a:endParaRPr lang="en-US" dirty="0"/>
           </a:p>
@@ -1998,7 +1998,7 @@
           <a:p>
             <a:fld id="{48A87A34-81AB-432B-8DAE-1953F412C126}" type="datetimeFigureOut">
               <a:rPr lang="en-US" smtClean="0"/>
-              <a:t>11/14/16</a:t>
+              <a:t>11/20/16</a:t>
             </a:fld>
             <a:endParaRPr lang="en-US" dirty="0"/>
           </a:p>
@@ -2124,7 +2124,7 @@
           <a:p>
             <a:fld id="{48A87A34-81AB-432B-8DAE-1953F412C126}" type="datetimeFigureOut">
               <a:rPr lang="en-US" smtClean="0"/>
-              <a:t>11/14/16</a:t>
+              <a:t>11/20/16</a:t>
             </a:fld>
             <a:endParaRPr lang="en-US" dirty="0"/>
           </a:p>
@@ -2375,7 +2375,7 @@
           <a:p>
             <a:fld id="{48A87A34-81AB-432B-8DAE-1953F412C126}" type="datetimeFigureOut">
               <a:rPr lang="en-US" smtClean="0"/>
-              <a:t>11/14/16</a:t>
+              <a:t>11/20/16</a:t>
             </a:fld>
             <a:endParaRPr lang="en-US" dirty="0"/>
           </a:p>
@@ -2820,7 +2820,7 @@
           <a:p>
             <a:fld id="{48A87A34-81AB-432B-8DAE-1953F412C126}" type="datetimeFigureOut">
               <a:rPr lang="en-US" smtClean="0"/>
-              <a:t>11/14/16</a:t>
+              <a:t>11/20/16</a:t>
             </a:fld>
             <a:endParaRPr lang="en-US" dirty="0"/>
           </a:p>
@@ -3152,7 +3152,7 @@
             <a:fld id="{48A87A34-81AB-432B-8DAE-1953F412C126}" type="datetimeFigureOut">
               <a:rPr lang="en-US" smtClean="0"/>
               <a:pPr/>
-              <a:t>11/14/16</a:t>
+              <a:t>11/20/16</a:t>
             </a:fld>
             <a:endParaRPr lang="en-US" dirty="0"/>
           </a:p>
@@ -3862,7 +3862,7 @@
           <a:p>
             <a:r>
               <a:rPr lang="en-US" dirty="0" smtClean="0"/>
-              <a:t>Description</a:t>
+              <a:t>Quick Recap of the game</a:t>
             </a:r>
             <a:endParaRPr lang="en-US" dirty="0"/>
           </a:p>
@@ -4065,40 +4065,137 @@
           <a:chExt cx="0" cy="0"/>
         </a:xfrm>
       </p:grpSpPr>
-      <p:sp>
-        <p:nvSpPr>
-          <p:cNvPr id="2" name="Title 1"/>
-          <p:cNvSpPr>
-            <a:spLocks noGrp="1"/>
-          </p:cNvSpPr>
-          <p:nvPr>
-            <p:ph type="title"/>
-          </p:nvPr>
-        </p:nvSpPr>
-        <p:spPr/>
-        <p:txBody>
-          <a:bodyPr/>
-          <a:lstStyle/>
-          <a:p>
-            <a:r>
-              <a:rPr lang="en-US" dirty="0" smtClean="0"/>
-              <a:t>Planning and management</a:t>
-            </a:r>
-            <a:endParaRPr lang="en-US" dirty="0"/>
+      <p:sp useBgFill="1">
+        <p:nvSpPr>
+          <p:cNvPr id="15" name="Rectangle 14"/>
+          <p:cNvSpPr>
+            <a:spLocks noGrp="1" noRot="1" noChangeAspect="1" noMove="1" noResize="1" noEditPoints="1" noAdjustHandles="1" noChangeArrowheads="1" noChangeShapeType="1" noTextEdit="1"/>
+          </p:cNvSpPr>
+          <p:nvPr>
+            <p:extLst>
+              <p:ext uri="{386F3935-93C4-4BCD-93E2-E3B085C9AB24}">
+                <p16:designElem xmlns:p16="http://schemas.microsoft.com/office/powerpoint/2015/main" val="1"/>
+              </p:ext>
+            </p:extLst>
+          </p:nvPr>
+        </p:nvSpPr>
+        <p:spPr>
+          <a:xfrm>
+            <a:off x="2" y="0"/>
+            <a:ext cx="12191695" cy="6858000"/>
+          </a:xfrm>
+          <a:prstGeom prst="rect">
+            <a:avLst/>
+          </a:prstGeom>
+          <a:ln>
+            <a:noFill/>
+          </a:ln>
+        </p:spPr>
+        <p:style>
+          <a:lnRef idx="2">
+            <a:schemeClr val="accent1">
+              <a:shade val="50000"/>
+            </a:schemeClr>
+          </a:lnRef>
+          <a:fillRef idx="1">
+            <a:schemeClr val="accent1"/>
+          </a:fillRef>
+          <a:effectRef idx="0">
+            <a:schemeClr val="accent1"/>
+          </a:effectRef>
+          <a:fontRef idx="minor">
+            <a:schemeClr val="lt1"/>
+          </a:fontRef>
+        </p:style>
+        <p:txBody>
+          <a:bodyPr rtlCol="0" anchor="ctr"/>
+          <a:lstStyle/>
+          <a:p>
+            <a:pPr algn="ctr"/>
+            <a:endParaRPr lang="en-US"/>
+          </a:p>
+        </p:txBody>
+      </p:sp>
+      <p:sp>
+        <p:nvSpPr>
+          <p:cNvPr id="16" name="Rectangle 15"/>
+          <p:cNvSpPr>
+            <a:spLocks noGrp="1" noRot="1" noChangeAspect="1" noMove="1" noResize="1" noEditPoints="1" noAdjustHandles="1" noChangeArrowheads="1" noChangeShapeType="1" noTextEdit="1"/>
+          </p:cNvSpPr>
+          <p:nvPr>
+            <p:extLst>
+              <p:ext uri="{386F3935-93C4-4BCD-93E2-E3B085C9AB24}">
+                <p16:designElem xmlns:p16="http://schemas.microsoft.com/office/powerpoint/2015/main" val="1"/>
+              </p:ext>
+            </p:extLst>
+          </p:nvPr>
+        </p:nvSpPr>
+        <p:spPr>
+          <a:xfrm>
+            <a:off x="0" y="2019476"/>
+            <a:ext cx="12192000" cy="4105941"/>
+          </a:xfrm>
+          <a:prstGeom prst="rect">
+            <a:avLst/>
+          </a:prstGeom>
+          <a:gradFill flip="none" rotWithShape="1">
+            <a:gsLst>
+              <a:gs pos="0">
+                <a:schemeClr val="bg2">
+                  <a:alpha val="0"/>
+                </a:schemeClr>
+              </a:gs>
+              <a:gs pos="100000">
+                <a:schemeClr val="bg2"/>
+              </a:gs>
+            </a:gsLst>
+            <a:lin ang="5400000" scaled="0"/>
+            <a:tileRect/>
+          </a:gradFill>
+          <a:ln>
+            <a:noFill/>
+          </a:ln>
+        </p:spPr>
+        <p:style>
+          <a:lnRef idx="2">
+            <a:schemeClr val="accent1">
+              <a:shade val="50000"/>
+            </a:schemeClr>
+          </a:lnRef>
+          <a:fillRef idx="1">
+            <a:schemeClr val="accent1"/>
+          </a:fillRef>
+          <a:effectRef idx="0">
+            <a:schemeClr val="accent1"/>
+          </a:effectRef>
+          <a:fontRef idx="minor">
+            <a:schemeClr val="lt1"/>
+          </a:fontRef>
+        </p:style>
+        <p:txBody>
+          <a:bodyPr rtlCol="0" anchor="ctr"/>
+          <a:lstStyle/>
+          <a:p>
+            <a:pPr lvl="0" algn="ctr"/>
+            <a:endParaRPr lang="en-US"/>
           </a:p>
         </p:txBody>
       </p:sp>
       <p:pic>
         <p:nvPicPr>
-          <p:cNvPr id="4" name="Content Placeholder 3"/>
+          <p:cNvPr id="17" name="Picture 16"/>
           <p:cNvPicPr>
-            <a:picLocks noGrp="1" noChangeAspect="1"/>
+            <a:picLocks noGrp="1" noRot="1" noChangeAspect="1" noMove="1" noResize="1" noEditPoints="1" noAdjustHandles="1" noChangeArrowheads="1" noChangeShapeType="1" noCrop="1"/>
           </p:cNvPicPr>
           <p:nvPr>
-            <p:ph idx="1"/>
+            <p:extLst>
+              <p:ext uri="{386F3935-93C4-4BCD-93E2-E3B085C9AB24}">
+                <p16:designElem xmlns:p16="http://schemas.microsoft.com/office/powerpoint/2015/main" val="1"/>
+              </p:ext>
+            </p:extLst>
           </p:nvPr>
         </p:nvPicPr>
-        <p:blipFill>
+        <p:blipFill rotWithShape="1">
           <a:blip r:embed="rId2">
             <a:extLst>
               <a:ext uri="{28A0092B-C50C-407E-A947-70E740481C1C}">
@@ -4106,27 +4203,170 @@
               </a:ext>
             </a:extLst>
           </a:blip>
+          <a:srcRect t="1538" b="-1538"/>
+          <a:stretch/>
+        </p:blipFill>
+        <p:spPr bwMode="black">
+          <a:xfrm>
+            <a:off x="0" y="6126480"/>
+            <a:ext cx="12192000" cy="742950"/>
+          </a:xfrm>
+          <a:prstGeom prst="rect">
+            <a:avLst/>
+          </a:prstGeom>
+        </p:spPr>
+      </p:pic>
+      <p:cxnSp>
+        <p:nvCxnSpPr>
+          <p:cNvPr id="18" name="Straight Connector 17"/>
+          <p:cNvCxnSpPr>
+            <a:cxnSpLocks noGrp="1" noRot="1" noChangeAspect="1" noMove="1" noResize="1" noEditPoints="1" noAdjustHandles="1" noChangeArrowheads="1" noChangeShapeType="1"/>
+          </p:cNvCxnSpPr>
+          <p:nvPr>
+            <p:extLst>
+              <p:ext uri="{386F3935-93C4-4BCD-93E2-E3B085C9AB24}">
+                <p16:designElem xmlns:p16="http://schemas.microsoft.com/office/powerpoint/2015/main" val="1"/>
+              </p:ext>
+            </p:extLst>
+          </p:nvPr>
+        </p:nvCxnSpPr>
+        <p:spPr>
+          <a:xfrm>
+            <a:off x="0" y="6128413"/>
+            <a:ext cx="12192000" cy="0"/>
+          </a:xfrm>
+          <a:prstGeom prst="line">
+            <a:avLst/>
+          </a:prstGeom>
+          <a:ln w="12700">
+            <a:solidFill>
+              <a:srgbClr val="000001">
+                <a:alpha val="20000"/>
+              </a:srgbClr>
+            </a:solidFill>
+          </a:ln>
+        </p:spPr>
+        <p:style>
+          <a:lnRef idx="1">
+            <a:schemeClr val="accent1"/>
+          </a:lnRef>
+          <a:fillRef idx="0">
+            <a:schemeClr val="accent1"/>
+          </a:fillRef>
+          <a:effectRef idx="0">
+            <a:schemeClr val="accent1"/>
+          </a:effectRef>
+          <a:fontRef idx="minor">
+            <a:schemeClr val="tx1"/>
+          </a:fontRef>
+        </p:style>
+      </p:cxnSp>
+      <p:cxnSp>
+        <p:nvCxnSpPr>
+          <p:cNvPr id="19" name="Straight Connector 18"/>
+          <p:cNvCxnSpPr>
+            <a:cxnSpLocks noGrp="1" noRot="1" noChangeAspect="1" noMove="1" noResize="1" noEditPoints="1" noAdjustHandles="1" noChangeArrowheads="1" noChangeShapeType="1"/>
+          </p:cNvCxnSpPr>
+          <p:nvPr>
+            <p:extLst>
+              <p:ext uri="{386F3935-93C4-4BCD-93E2-E3B085C9AB24}">
+                <p16:designElem xmlns:p16="http://schemas.microsoft.com/office/powerpoint/2015/main" val="1"/>
+              </p:ext>
+            </p:extLst>
+          </p:nvPr>
+        </p:nvCxnSpPr>
+        <p:spPr>
+          <a:xfrm>
+            <a:off x="1453896" y="1847088"/>
+            <a:ext cx="4177373" cy="0"/>
+          </a:xfrm>
+          <a:prstGeom prst="line">
+            <a:avLst/>
+          </a:prstGeom>
+          <a:ln w="31750"/>
+        </p:spPr>
+        <p:style>
+          <a:lnRef idx="3">
+            <a:schemeClr val="accent1"/>
+          </a:lnRef>
+          <a:fillRef idx="0">
+            <a:schemeClr val="accent1"/>
+          </a:fillRef>
+          <a:effectRef idx="2">
+            <a:schemeClr val="accent1"/>
+          </a:effectRef>
+          <a:fontRef idx="minor">
+            <a:schemeClr val="tx1"/>
+          </a:fontRef>
+        </p:style>
+      </p:cxnSp>
+      <p:pic>
+        <p:nvPicPr>
+          <p:cNvPr id="10" name="Content Placeholder 7"/>
+          <p:cNvPicPr>
+            <a:picLocks noChangeAspect="1"/>
+          </p:cNvPicPr>
+          <p:nvPr/>
+        </p:nvPicPr>
+        <p:blipFill>
+          <a:blip r:embed="rId3"/>
           <a:stretch>
             <a:fillRect/>
           </a:stretch>
         </p:blipFill>
         <p:spPr>
           <a:xfrm>
-            <a:off x="1450975" y="2489409"/>
-            <a:ext cx="9604375" cy="2503070"/>
-          </a:xfrm>
+            <a:off x="5725270" y="114300"/>
+            <a:ext cx="6346297" cy="5743575"/>
+          </a:xfrm>
+          <a:prstGeom prst="rect">
+            <a:avLst/>
+          </a:prstGeom>
         </p:spPr>
       </p:pic>
       <p:sp>
         <p:nvSpPr>
-          <p:cNvPr id="5" name="TextBox 4"/>
-          <p:cNvSpPr txBox="1"/>
-          <p:nvPr/>
-        </p:nvSpPr>
-        <p:spPr>
-          <a:xfrm>
-            <a:off x="1450975" y="2085975"/>
-            <a:ext cx="9603879" cy="369332"/>
+          <p:cNvPr id="2" name="Title 1"/>
+          <p:cNvSpPr>
+            <a:spLocks noGrp="1"/>
+          </p:cNvSpPr>
+          <p:nvPr>
+            <p:ph type="title"/>
+          </p:nvPr>
+        </p:nvSpPr>
+        <p:spPr>
+          <a:xfrm>
+            <a:off x="1451580" y="804520"/>
+            <a:ext cx="4176511" cy="1049235"/>
+          </a:xfrm>
+        </p:spPr>
+        <p:txBody>
+          <a:bodyPr>
+            <a:normAutofit/>
+          </a:bodyPr>
+          <a:lstStyle/>
+          <a:p>
+            <a:r>
+              <a:rPr lang="en-US" dirty="0"/>
+              <a:t>Planning and management</a:t>
+            </a:r>
+          </a:p>
+        </p:txBody>
+      </p:sp>
+      <p:sp>
+        <p:nvSpPr>
+          <p:cNvPr id="11" name="Content Placeholder 10"/>
+          <p:cNvSpPr txBox="1">
+            <a:spLocks noGrp="1"/>
+          </p:cNvSpPr>
+          <p:nvPr>
+            <p:ph idx="1"/>
+          </p:nvPr>
+        </p:nvSpPr>
+        <p:spPr>
+          <a:xfrm>
+            <a:off x="1450975" y="2016125"/>
+            <a:ext cx="4173538" cy="3449638"/>
           </a:xfrm>
           <a:prstGeom prst="rect">
             <a:avLst/>
@@ -4141,7 +4381,7 @@
           <a:p>
             <a:r>
               <a:rPr lang="en-US" dirty="0" smtClean="0">
-                <a:hlinkClick r:id="rId3"/>
+                <a:hlinkClick r:id="rId4"/>
               </a:rPr>
               <a:t>Click here for complete Gantt chart</a:t>
             </a:r>
@@ -4152,7 +4392,7 @@
     </p:spTree>
     <p:extLst>
       <p:ext uri="{BB962C8B-B14F-4D97-AF65-F5344CB8AC3E}">
-        <p14:creationId xmlns:p14="http://schemas.microsoft.com/office/powerpoint/2010/main" val="1217684760"/>
+        <p14:creationId xmlns:p14="http://schemas.microsoft.com/office/powerpoint/2010/main" val="1364705952"/>
       </p:ext>
     </p:extLst>
   </p:cSld>
@@ -4299,6 +4539,42 @@
             <p:ph type="title"/>
           </p:nvPr>
         </p:nvSpPr>
+        <p:spPr>
+          <a:xfrm>
+            <a:off x="1451579" y="833094"/>
+            <a:ext cx="9603275" cy="1049235"/>
+          </a:xfrm>
+        </p:spPr>
+        <p:txBody>
+          <a:bodyPr/>
+          <a:lstStyle/>
+          <a:p>
+            <a:r>
+              <a:rPr lang="en-US" dirty="0" smtClean="0"/>
+              <a:t>Project Status as per </a:t>
+            </a:r>
+            <a:r>
+              <a:rPr lang="en-US" dirty="0" err="1" smtClean="0"/>
+              <a:t>gantt</a:t>
+            </a:r>
+            <a:r>
+              <a:rPr lang="en-US" dirty="0" smtClean="0"/>
+              <a:t> chart</a:t>
+            </a:r>
+            <a:endParaRPr lang="en-US" dirty="0"/>
+          </a:p>
+        </p:txBody>
+      </p:sp>
+      <p:sp>
+        <p:nvSpPr>
+          <p:cNvPr id="3" name="Content Placeholder 2"/>
+          <p:cNvSpPr>
+            <a:spLocks noGrp="1"/>
+          </p:cNvSpPr>
+          <p:nvPr>
+            <p:ph idx="1"/>
+          </p:nvPr>
+        </p:nvSpPr>
         <p:spPr/>
         <p:txBody>
           <a:bodyPr/>
@@ -4306,59 +4582,94 @@
           <a:p>
             <a:r>
               <a:rPr lang="en-US" dirty="0" smtClean="0"/>
-              <a:t>Remaining Enhancements</a:t>
-            </a:r>
-            <a:endParaRPr lang="en-US" dirty="0"/>
-          </a:p>
-        </p:txBody>
-      </p:sp>
-      <p:sp>
-        <p:nvSpPr>
-          <p:cNvPr id="3" name="Content Placeholder 2"/>
-          <p:cNvSpPr>
-            <a:spLocks noGrp="1"/>
-          </p:cNvSpPr>
-          <p:nvPr>
-            <p:ph idx="1"/>
-          </p:nvPr>
-        </p:nvSpPr>
-        <p:spPr/>
-        <p:txBody>
-          <a:bodyPr/>
-          <a:lstStyle/>
-          <a:p>
+              <a:t>For now the project is on schedule</a:t>
+            </a:r>
             <a:r>
               <a:rPr lang="en-US" dirty="0" smtClean="0"/>
-              <a:t>User specific grid size.</a:t>
+              <a:t>.</a:t>
             </a:r>
           </a:p>
           <a:p>
             <a:r>
               <a:rPr lang="en-US" dirty="0" smtClean="0"/>
-              <a:t>Retaining game state if in case user has to close the game in between.</a:t>
-            </a:r>
-          </a:p>
-          <a:p>
-            <a:r>
+              <a:t>Pending Enhancements are</a:t>
+            </a:r>
+            <a:br>
               <a:rPr lang="en-US" dirty="0" smtClean="0"/>
-              <a:t>Implementation of levels as the user moves forward.</a:t>
-            </a:r>
-          </a:p>
-          <a:p>
-            <a:endParaRPr lang="en-US" dirty="0"/>
+            </a:br>
+            <a:r>
+              <a:rPr lang="en-US" dirty="0" smtClean="0"/>
+              <a:t>- </a:t>
+            </a:r>
+            <a:r>
+              <a:rPr lang="en-US" dirty="0"/>
+              <a:t>User specific grid size</a:t>
+            </a:r>
+            <a:r>
+              <a:rPr lang="en-US" dirty="0" smtClean="0"/>
+              <a:t>.</a:t>
+            </a:r>
+            <a:br>
+              <a:rPr lang="en-US" dirty="0" smtClean="0"/>
+            </a:br>
+            <a:r>
+              <a:rPr lang="en-US" dirty="0" smtClean="0"/>
+              <a:t>- Retaining </a:t>
+            </a:r>
+            <a:r>
+              <a:rPr lang="en-US" dirty="0"/>
+              <a:t>game state if in case user has to close the game in </a:t>
+            </a:r>
+            <a:r>
+              <a:rPr lang="en-US" dirty="0" smtClean="0"/>
+              <a:t>between.</a:t>
+            </a:r>
+            <a:br>
+              <a:rPr lang="en-US" dirty="0" smtClean="0"/>
+            </a:br>
+            <a:r>
+              <a:rPr lang="en-US" dirty="0" smtClean="0"/>
+              <a:t>- User </a:t>
+            </a:r>
+            <a:r>
+              <a:rPr lang="en-US" dirty="0"/>
+              <a:t>Customized Grid </a:t>
+            </a:r>
+            <a:r>
+              <a:rPr lang="en-US" dirty="0" smtClean="0"/>
+              <a:t>option</a:t>
+            </a:r>
+            <a:br>
+              <a:rPr lang="en-US" dirty="0" smtClean="0"/>
+            </a:br>
+            <a:r>
+              <a:rPr lang="en-US" dirty="0" smtClean="0"/>
+              <a:t>- UI </a:t>
+            </a:r>
+            <a:r>
+              <a:rPr lang="en-US" dirty="0"/>
+              <a:t>improvements</a:t>
+            </a:r>
           </a:p>
         </p:txBody>
       </p:sp>
     </p:spTree>
     <p:extLst>
       <p:ext uri="{BB962C8B-B14F-4D97-AF65-F5344CB8AC3E}">
-        <p14:creationId xmlns:p14="http://schemas.microsoft.com/office/powerpoint/2010/main" val="2105798609"/>
+        <p14:creationId xmlns:p14="http://schemas.microsoft.com/office/powerpoint/2010/main" val="2031459632"/>
       </p:ext>
     </p:extLst>
   </p:cSld>
   <p:clrMapOvr>
     <a:masterClrMapping/>
   </p:clrMapOvr>
+  <p:timing>
+    <p:tnLst>
+      <p:par>
+        <p:cTn id="1" dur="indefinite" restart="never" nodeType="tmRoot"/>
+      </p:par>
+    </p:tnLst>
+  </p:timing>
 </p:sld>
 </file>
 
@@ -4379,6 +4690,265 @@
           <a:chExt cx="0" cy="0"/>
         </a:xfrm>
       </p:grpSpPr>
+      <p:sp useBgFill="1">
+        <p:nvSpPr>
+          <p:cNvPr id="11" name="Rectangle 10"/>
+          <p:cNvSpPr>
+            <a:spLocks noGrp="1" noRot="1" noChangeAspect="1" noMove="1" noResize="1" noEditPoints="1" noAdjustHandles="1" noChangeArrowheads="1" noChangeShapeType="1" noTextEdit="1"/>
+          </p:cNvSpPr>
+          <p:nvPr>
+            <p:extLst>
+              <p:ext uri="{386F3935-93C4-4BCD-93E2-E3B085C9AB24}">
+                <p16:designElem xmlns:p16="http://schemas.microsoft.com/office/powerpoint/2015/main" val="1"/>
+              </p:ext>
+            </p:extLst>
+          </p:nvPr>
+        </p:nvSpPr>
+        <p:spPr>
+          <a:xfrm>
+            <a:off x="2" y="0"/>
+            <a:ext cx="12191695" cy="6858000"/>
+          </a:xfrm>
+          <a:prstGeom prst="rect">
+            <a:avLst/>
+          </a:prstGeom>
+          <a:ln>
+            <a:noFill/>
+          </a:ln>
+        </p:spPr>
+        <p:style>
+          <a:lnRef idx="2">
+            <a:schemeClr val="accent1">
+              <a:shade val="50000"/>
+            </a:schemeClr>
+          </a:lnRef>
+          <a:fillRef idx="1">
+            <a:schemeClr val="accent1"/>
+          </a:fillRef>
+          <a:effectRef idx="0">
+            <a:schemeClr val="accent1"/>
+          </a:effectRef>
+          <a:fontRef idx="minor">
+            <a:schemeClr val="lt1"/>
+          </a:fontRef>
+        </p:style>
+        <p:txBody>
+          <a:bodyPr rtlCol="0" anchor="ctr"/>
+          <a:lstStyle/>
+          <a:p>
+            <a:pPr algn="ctr"/>
+            <a:endParaRPr lang="en-US"/>
+          </a:p>
+        </p:txBody>
+      </p:sp>
+      <p:sp>
+        <p:nvSpPr>
+          <p:cNvPr id="12" name="Rectangle 11"/>
+          <p:cNvSpPr>
+            <a:spLocks noGrp="1" noRot="1" noChangeAspect="1" noMove="1" noResize="1" noEditPoints="1" noAdjustHandles="1" noChangeArrowheads="1" noChangeShapeType="1" noTextEdit="1"/>
+          </p:cNvSpPr>
+          <p:nvPr>
+            <p:extLst>
+              <p:ext uri="{386F3935-93C4-4BCD-93E2-E3B085C9AB24}">
+                <p16:designElem xmlns:p16="http://schemas.microsoft.com/office/powerpoint/2015/main" val="1"/>
+              </p:ext>
+            </p:extLst>
+          </p:nvPr>
+        </p:nvSpPr>
+        <p:spPr>
+          <a:xfrm>
+            <a:off x="0" y="2019476"/>
+            <a:ext cx="12192000" cy="4105941"/>
+          </a:xfrm>
+          <a:prstGeom prst="rect">
+            <a:avLst/>
+          </a:prstGeom>
+          <a:gradFill flip="none" rotWithShape="1">
+            <a:gsLst>
+              <a:gs pos="0">
+                <a:schemeClr val="bg2">
+                  <a:alpha val="0"/>
+                </a:schemeClr>
+              </a:gs>
+              <a:gs pos="100000">
+                <a:schemeClr val="bg2"/>
+              </a:gs>
+            </a:gsLst>
+            <a:lin ang="5400000" scaled="0"/>
+            <a:tileRect/>
+          </a:gradFill>
+          <a:ln>
+            <a:noFill/>
+          </a:ln>
+        </p:spPr>
+        <p:style>
+          <a:lnRef idx="2">
+            <a:schemeClr val="accent1">
+              <a:shade val="50000"/>
+            </a:schemeClr>
+          </a:lnRef>
+          <a:fillRef idx="1">
+            <a:schemeClr val="accent1"/>
+          </a:fillRef>
+          <a:effectRef idx="0">
+            <a:schemeClr val="accent1"/>
+          </a:effectRef>
+          <a:fontRef idx="minor">
+            <a:schemeClr val="lt1"/>
+          </a:fontRef>
+        </p:style>
+        <p:txBody>
+          <a:bodyPr rtlCol="0" anchor="ctr"/>
+          <a:lstStyle/>
+          <a:p>
+            <a:pPr lvl="0" algn="ctr"/>
+            <a:endParaRPr lang="en-US"/>
+          </a:p>
+        </p:txBody>
+      </p:sp>
+      <p:pic>
+        <p:nvPicPr>
+          <p:cNvPr id="13" name="Picture 12"/>
+          <p:cNvPicPr>
+            <a:picLocks noGrp="1" noRot="1" noChangeAspect="1" noMove="1" noResize="1" noEditPoints="1" noAdjustHandles="1" noChangeArrowheads="1" noChangeShapeType="1" noCrop="1"/>
+          </p:cNvPicPr>
+          <p:nvPr>
+            <p:extLst>
+              <p:ext uri="{386F3935-93C4-4BCD-93E2-E3B085C9AB24}">
+                <p16:designElem xmlns:p16="http://schemas.microsoft.com/office/powerpoint/2015/main" val="1"/>
+              </p:ext>
+            </p:extLst>
+          </p:nvPr>
+        </p:nvPicPr>
+        <p:blipFill rotWithShape="1">
+          <a:blip r:embed="rId2">
+            <a:extLst>
+              <a:ext uri="{28A0092B-C50C-407E-A947-70E740481C1C}">
+                <a14:useLocalDpi xmlns:a14="http://schemas.microsoft.com/office/drawing/2010/main" val="0"/>
+              </a:ext>
+            </a:extLst>
+          </a:blip>
+          <a:srcRect t="1538" b="-1538"/>
+          <a:stretch/>
+        </p:blipFill>
+        <p:spPr bwMode="black">
+          <a:xfrm>
+            <a:off x="0" y="6126480"/>
+            <a:ext cx="12192000" cy="742950"/>
+          </a:xfrm>
+          <a:prstGeom prst="rect">
+            <a:avLst/>
+          </a:prstGeom>
+        </p:spPr>
+      </p:pic>
+      <p:cxnSp>
+        <p:nvCxnSpPr>
+          <p:cNvPr id="14" name="Straight Connector 13"/>
+          <p:cNvCxnSpPr>
+            <a:cxnSpLocks noGrp="1" noRot="1" noChangeAspect="1" noMove="1" noResize="1" noEditPoints="1" noAdjustHandles="1" noChangeArrowheads="1" noChangeShapeType="1"/>
+          </p:cNvCxnSpPr>
+          <p:nvPr>
+            <p:extLst>
+              <p:ext uri="{386F3935-93C4-4BCD-93E2-E3B085C9AB24}">
+                <p16:designElem xmlns:p16="http://schemas.microsoft.com/office/powerpoint/2015/main" val="1"/>
+              </p:ext>
+            </p:extLst>
+          </p:nvPr>
+        </p:nvCxnSpPr>
+        <p:spPr>
+          <a:xfrm>
+            <a:off x="0" y="6128413"/>
+            <a:ext cx="12192000" cy="0"/>
+          </a:xfrm>
+          <a:prstGeom prst="line">
+            <a:avLst/>
+          </a:prstGeom>
+          <a:ln w="12700">
+            <a:solidFill>
+              <a:srgbClr val="000001">
+                <a:alpha val="20000"/>
+              </a:srgbClr>
+            </a:solidFill>
+          </a:ln>
+        </p:spPr>
+        <p:style>
+          <a:lnRef idx="1">
+            <a:schemeClr val="accent1"/>
+          </a:lnRef>
+          <a:fillRef idx="0">
+            <a:schemeClr val="accent1"/>
+          </a:fillRef>
+          <a:effectRef idx="0">
+            <a:schemeClr val="accent1"/>
+          </a:effectRef>
+          <a:fontRef idx="minor">
+            <a:schemeClr val="tx1"/>
+          </a:fontRef>
+        </p:style>
+      </p:cxnSp>
+      <p:cxnSp>
+        <p:nvCxnSpPr>
+          <p:cNvPr id="15" name="Straight Connector 14"/>
+          <p:cNvCxnSpPr>
+            <a:cxnSpLocks noGrp="1" noRot="1" noChangeAspect="1" noMove="1" noResize="1" noEditPoints="1" noAdjustHandles="1" noChangeArrowheads="1" noChangeShapeType="1"/>
+          </p:cNvCxnSpPr>
+          <p:nvPr>
+            <p:extLst>
+              <p:ext uri="{386F3935-93C4-4BCD-93E2-E3B085C9AB24}">
+                <p16:designElem xmlns:p16="http://schemas.microsoft.com/office/powerpoint/2015/main" val="1"/>
+              </p:ext>
+            </p:extLst>
+          </p:nvPr>
+        </p:nvCxnSpPr>
+        <p:spPr>
+          <a:xfrm>
+            <a:off x="1453896" y="1847088"/>
+            <a:ext cx="4177373" cy="0"/>
+          </a:xfrm>
+          <a:prstGeom prst="line">
+            <a:avLst/>
+          </a:prstGeom>
+          <a:ln w="31750"/>
+        </p:spPr>
+        <p:style>
+          <a:lnRef idx="3">
+            <a:schemeClr val="accent1"/>
+          </a:lnRef>
+          <a:fillRef idx="0">
+            <a:schemeClr val="accent1"/>
+          </a:fillRef>
+          <a:effectRef idx="2">
+            <a:schemeClr val="accent1"/>
+          </a:effectRef>
+          <a:fontRef idx="minor">
+            <a:schemeClr val="tx1"/>
+          </a:fontRef>
+        </p:style>
+      </p:cxnSp>
+      <p:pic>
+        <p:nvPicPr>
+          <p:cNvPr id="6" name="Content Placeholder 3"/>
+          <p:cNvPicPr>
+            <a:picLocks noChangeAspect="1"/>
+          </p:cNvPicPr>
+          <p:nvPr/>
+        </p:nvPicPr>
+        <p:blipFill>
+          <a:blip r:embed="rId3"/>
+          <a:stretch>
+            <a:fillRect/>
+          </a:stretch>
+        </p:blipFill>
+        <p:spPr>
+          <a:xfrm>
+            <a:off x="7263793" y="805583"/>
+            <a:ext cx="2621678" cy="4660762"/>
+          </a:xfrm>
+          <a:prstGeom prst="rect">
+            <a:avLst/>
+          </a:prstGeom>
+        </p:spPr>
+      </p:pic>
       <p:sp>
         <p:nvSpPr>
           <p:cNvPr id="2" name="Title 1"/>
@@ -4391,62 +4961,70 @@
         </p:nvSpPr>
         <p:spPr>
           <a:xfrm>
-            <a:off x="1451579" y="833094"/>
-            <a:ext cx="9603275" cy="1049235"/>
-          </a:xfrm>
-        </p:spPr>
-        <p:txBody>
-          <a:bodyPr/>
+            <a:off x="1451580" y="804520"/>
+            <a:ext cx="4176511" cy="1049235"/>
+          </a:xfrm>
+        </p:spPr>
+        <p:txBody>
+          <a:bodyPr>
+            <a:normAutofit/>
+          </a:bodyPr>
+          <a:lstStyle/>
+          <a:p>
+            <a:r>
+              <a:rPr lang="en-US" dirty="0"/>
+              <a:t>User Interface of the Game</a:t>
+            </a:r>
+          </a:p>
+        </p:txBody>
+      </p:sp>
+      <p:sp>
+        <p:nvSpPr>
+          <p:cNvPr id="8" name="Content Placeholder 7"/>
+          <p:cNvSpPr>
+            <a:spLocks noGrp="1"/>
+          </p:cNvSpPr>
+          <p:nvPr>
+            <p:ph idx="1"/>
+          </p:nvPr>
+        </p:nvSpPr>
+        <p:spPr>
+          <a:xfrm>
+            <a:off x="1451581" y="2015732"/>
+            <a:ext cx="4172212" cy="3450613"/>
+          </a:xfrm>
+        </p:spPr>
+        <p:txBody>
+          <a:bodyPr>
+            <a:normAutofit/>
+          </a:bodyPr>
           <a:lstStyle/>
           <a:p>
             <a:r>
               <a:rPr lang="en-US" dirty="0" smtClean="0"/>
-              <a:t>Project Status as per </a:t>
-            </a:r>
-            <a:r>
-              <a:rPr lang="en-US" dirty="0" err="1" smtClean="0"/>
-              <a:t>gantt</a:t>
-            </a:r>
-            <a:r>
-              <a:rPr lang="en-US" dirty="0" smtClean="0"/>
-              <a:t> chart</a:t>
-            </a:r>
-            <a:endParaRPr lang="en-US" dirty="0"/>
-          </a:p>
-        </p:txBody>
-      </p:sp>
-      <p:sp>
-        <p:nvSpPr>
-          <p:cNvPr id="3" name="Content Placeholder 2"/>
-          <p:cNvSpPr>
-            <a:spLocks noGrp="1"/>
-          </p:cNvSpPr>
-          <p:nvPr>
-            <p:ph idx="1"/>
-          </p:nvPr>
-        </p:nvSpPr>
-        <p:spPr/>
-        <p:txBody>
-          <a:bodyPr/>
-          <a:lstStyle/>
-          <a:p>
-            <a:r>
-              <a:rPr lang="en-US" dirty="0" smtClean="0"/>
-              <a:t>For now the project is on schedule.</a:t>
-            </a:r>
+              <a:t>Initial screen after starting game</a:t>
+            </a:r>
+            <a:endParaRPr lang="en-US" dirty="0"/>
           </a:p>
         </p:txBody>
       </p:sp>
     </p:spTree>
     <p:extLst>
       <p:ext uri="{BB962C8B-B14F-4D97-AF65-F5344CB8AC3E}">
-        <p14:creationId xmlns:p14="http://schemas.microsoft.com/office/powerpoint/2010/main" val="2031459632"/>
+        <p14:creationId xmlns:p14="http://schemas.microsoft.com/office/powerpoint/2010/main" val="2494795487"/>
       </p:ext>
     </p:extLst>
   </p:cSld>
   <p:clrMapOvr>
     <a:masterClrMapping/>
   </p:clrMapOvr>
+  <p:timing>
+    <p:tnLst>
+      <p:par>
+        <p:cTn id="1" dur="indefinite" restart="never" nodeType="tmRoot"/>
+      </p:par>
+    </p:tnLst>
+  </p:timing>
 </p:sld>
 </file>
 
@@ -4467,6 +5045,265 @@
           <a:chExt cx="0" cy="0"/>
         </a:xfrm>
       </p:grpSpPr>
+      <p:sp useBgFill="1">
+        <p:nvSpPr>
+          <p:cNvPr id="11" name="Rectangle 10"/>
+          <p:cNvSpPr>
+            <a:spLocks noGrp="1" noRot="1" noChangeAspect="1" noMove="1" noResize="1" noEditPoints="1" noAdjustHandles="1" noChangeArrowheads="1" noChangeShapeType="1" noTextEdit="1"/>
+          </p:cNvSpPr>
+          <p:nvPr>
+            <p:extLst>
+              <p:ext uri="{386F3935-93C4-4BCD-93E2-E3B085C9AB24}">
+                <p16:designElem xmlns:p16="http://schemas.microsoft.com/office/powerpoint/2015/main" val="1"/>
+              </p:ext>
+            </p:extLst>
+          </p:nvPr>
+        </p:nvSpPr>
+        <p:spPr>
+          <a:xfrm>
+            <a:off x="2" y="0"/>
+            <a:ext cx="12191695" cy="6858000"/>
+          </a:xfrm>
+          <a:prstGeom prst="rect">
+            <a:avLst/>
+          </a:prstGeom>
+          <a:ln>
+            <a:noFill/>
+          </a:ln>
+        </p:spPr>
+        <p:style>
+          <a:lnRef idx="2">
+            <a:schemeClr val="accent1">
+              <a:shade val="50000"/>
+            </a:schemeClr>
+          </a:lnRef>
+          <a:fillRef idx="1">
+            <a:schemeClr val="accent1"/>
+          </a:fillRef>
+          <a:effectRef idx="0">
+            <a:schemeClr val="accent1"/>
+          </a:effectRef>
+          <a:fontRef idx="minor">
+            <a:schemeClr val="lt1"/>
+          </a:fontRef>
+        </p:style>
+        <p:txBody>
+          <a:bodyPr rtlCol="0" anchor="ctr"/>
+          <a:lstStyle/>
+          <a:p>
+            <a:pPr algn="ctr"/>
+            <a:endParaRPr lang="en-US"/>
+          </a:p>
+        </p:txBody>
+      </p:sp>
+      <p:sp>
+        <p:nvSpPr>
+          <p:cNvPr id="12" name="Rectangle 11"/>
+          <p:cNvSpPr>
+            <a:spLocks noGrp="1" noRot="1" noChangeAspect="1" noMove="1" noResize="1" noEditPoints="1" noAdjustHandles="1" noChangeArrowheads="1" noChangeShapeType="1" noTextEdit="1"/>
+          </p:cNvSpPr>
+          <p:nvPr>
+            <p:extLst>
+              <p:ext uri="{386F3935-93C4-4BCD-93E2-E3B085C9AB24}">
+                <p16:designElem xmlns:p16="http://schemas.microsoft.com/office/powerpoint/2015/main" val="1"/>
+              </p:ext>
+            </p:extLst>
+          </p:nvPr>
+        </p:nvSpPr>
+        <p:spPr>
+          <a:xfrm>
+            <a:off x="0" y="2019476"/>
+            <a:ext cx="12192000" cy="4105941"/>
+          </a:xfrm>
+          <a:prstGeom prst="rect">
+            <a:avLst/>
+          </a:prstGeom>
+          <a:gradFill flip="none" rotWithShape="1">
+            <a:gsLst>
+              <a:gs pos="0">
+                <a:schemeClr val="bg2">
+                  <a:alpha val="0"/>
+                </a:schemeClr>
+              </a:gs>
+              <a:gs pos="100000">
+                <a:schemeClr val="bg2"/>
+              </a:gs>
+            </a:gsLst>
+            <a:lin ang="5400000" scaled="0"/>
+            <a:tileRect/>
+          </a:gradFill>
+          <a:ln>
+            <a:noFill/>
+          </a:ln>
+        </p:spPr>
+        <p:style>
+          <a:lnRef idx="2">
+            <a:schemeClr val="accent1">
+              <a:shade val="50000"/>
+            </a:schemeClr>
+          </a:lnRef>
+          <a:fillRef idx="1">
+            <a:schemeClr val="accent1"/>
+          </a:fillRef>
+          <a:effectRef idx="0">
+            <a:schemeClr val="accent1"/>
+          </a:effectRef>
+          <a:fontRef idx="minor">
+            <a:schemeClr val="lt1"/>
+          </a:fontRef>
+        </p:style>
+        <p:txBody>
+          <a:bodyPr rtlCol="0" anchor="ctr"/>
+          <a:lstStyle/>
+          <a:p>
+            <a:pPr lvl="0" algn="ctr"/>
+            <a:endParaRPr lang="en-US"/>
+          </a:p>
+        </p:txBody>
+      </p:sp>
+      <p:pic>
+        <p:nvPicPr>
+          <p:cNvPr id="13" name="Picture 12"/>
+          <p:cNvPicPr>
+            <a:picLocks noGrp="1" noRot="1" noChangeAspect="1" noMove="1" noResize="1" noEditPoints="1" noAdjustHandles="1" noChangeArrowheads="1" noChangeShapeType="1" noCrop="1"/>
+          </p:cNvPicPr>
+          <p:nvPr>
+            <p:extLst>
+              <p:ext uri="{386F3935-93C4-4BCD-93E2-E3B085C9AB24}">
+                <p16:designElem xmlns:p16="http://schemas.microsoft.com/office/powerpoint/2015/main" val="1"/>
+              </p:ext>
+            </p:extLst>
+          </p:nvPr>
+        </p:nvPicPr>
+        <p:blipFill rotWithShape="1">
+          <a:blip r:embed="rId2">
+            <a:extLst>
+              <a:ext uri="{28A0092B-C50C-407E-A947-70E740481C1C}">
+                <a14:useLocalDpi xmlns:a14="http://schemas.microsoft.com/office/drawing/2010/main" val="0"/>
+              </a:ext>
+            </a:extLst>
+          </a:blip>
+          <a:srcRect t="1538" b="-1538"/>
+          <a:stretch/>
+        </p:blipFill>
+        <p:spPr bwMode="black">
+          <a:xfrm>
+            <a:off x="0" y="6126480"/>
+            <a:ext cx="12192000" cy="742950"/>
+          </a:xfrm>
+          <a:prstGeom prst="rect">
+            <a:avLst/>
+          </a:prstGeom>
+        </p:spPr>
+      </p:pic>
+      <p:cxnSp>
+        <p:nvCxnSpPr>
+          <p:cNvPr id="14" name="Straight Connector 13"/>
+          <p:cNvCxnSpPr>
+            <a:cxnSpLocks noGrp="1" noRot="1" noChangeAspect="1" noMove="1" noResize="1" noEditPoints="1" noAdjustHandles="1" noChangeArrowheads="1" noChangeShapeType="1"/>
+          </p:cNvCxnSpPr>
+          <p:nvPr>
+            <p:extLst>
+              <p:ext uri="{386F3935-93C4-4BCD-93E2-E3B085C9AB24}">
+                <p16:designElem xmlns:p16="http://schemas.microsoft.com/office/powerpoint/2015/main" val="1"/>
+              </p:ext>
+            </p:extLst>
+          </p:nvPr>
+        </p:nvCxnSpPr>
+        <p:spPr>
+          <a:xfrm>
+            <a:off x="0" y="6128413"/>
+            <a:ext cx="12192000" cy="0"/>
+          </a:xfrm>
+          <a:prstGeom prst="line">
+            <a:avLst/>
+          </a:prstGeom>
+          <a:ln w="12700">
+            <a:solidFill>
+              <a:srgbClr val="000001">
+                <a:alpha val="20000"/>
+              </a:srgbClr>
+            </a:solidFill>
+          </a:ln>
+        </p:spPr>
+        <p:style>
+          <a:lnRef idx="1">
+            <a:schemeClr val="accent1"/>
+          </a:lnRef>
+          <a:fillRef idx="0">
+            <a:schemeClr val="accent1"/>
+          </a:fillRef>
+          <a:effectRef idx="0">
+            <a:schemeClr val="accent1"/>
+          </a:effectRef>
+          <a:fontRef idx="minor">
+            <a:schemeClr val="tx1"/>
+          </a:fontRef>
+        </p:style>
+      </p:cxnSp>
+      <p:cxnSp>
+        <p:nvCxnSpPr>
+          <p:cNvPr id="15" name="Straight Connector 14"/>
+          <p:cNvCxnSpPr>
+            <a:cxnSpLocks noGrp="1" noRot="1" noChangeAspect="1" noMove="1" noResize="1" noEditPoints="1" noAdjustHandles="1" noChangeArrowheads="1" noChangeShapeType="1"/>
+          </p:cNvCxnSpPr>
+          <p:nvPr>
+            <p:extLst>
+              <p:ext uri="{386F3935-93C4-4BCD-93E2-E3B085C9AB24}">
+                <p16:designElem xmlns:p16="http://schemas.microsoft.com/office/powerpoint/2015/main" val="1"/>
+              </p:ext>
+            </p:extLst>
+          </p:nvPr>
+        </p:nvCxnSpPr>
+        <p:spPr>
+          <a:xfrm>
+            <a:off x="1453896" y="1847088"/>
+            <a:ext cx="4177373" cy="0"/>
+          </a:xfrm>
+          <a:prstGeom prst="line">
+            <a:avLst/>
+          </a:prstGeom>
+          <a:ln w="31750"/>
+        </p:spPr>
+        <p:style>
+          <a:lnRef idx="3">
+            <a:schemeClr val="accent1"/>
+          </a:lnRef>
+          <a:fillRef idx="0">
+            <a:schemeClr val="accent1"/>
+          </a:fillRef>
+          <a:effectRef idx="2">
+            <a:schemeClr val="accent1"/>
+          </a:effectRef>
+          <a:fontRef idx="minor">
+            <a:schemeClr val="tx1"/>
+          </a:fontRef>
+        </p:style>
+      </p:cxnSp>
+      <p:pic>
+        <p:nvPicPr>
+          <p:cNvPr id="6" name="Content Placeholder 3"/>
+          <p:cNvPicPr>
+            <a:picLocks noChangeAspect="1"/>
+          </p:cNvPicPr>
+          <p:nvPr/>
+        </p:nvPicPr>
+        <p:blipFill>
+          <a:blip r:embed="rId3"/>
+          <a:stretch>
+            <a:fillRect/>
+          </a:stretch>
+        </p:blipFill>
+        <p:spPr>
+          <a:xfrm>
+            <a:off x="7263793" y="805583"/>
+            <a:ext cx="2621678" cy="4660762"/>
+          </a:xfrm>
+          <a:prstGeom prst="rect">
+            <a:avLst/>
+          </a:prstGeom>
+        </p:spPr>
+      </p:pic>
       <p:sp>
         <p:nvSpPr>
           <p:cNvPr id="2" name="Title 1"/>
@@ -4477,34 +5314,51 @@
             <p:ph type="title"/>
           </p:nvPr>
         </p:nvSpPr>
-        <p:spPr/>
-        <p:txBody>
-          <a:bodyPr/>
+        <p:spPr>
+          <a:xfrm>
+            <a:off x="1451580" y="804520"/>
+            <a:ext cx="4176511" cy="1049235"/>
+          </a:xfrm>
+        </p:spPr>
+        <p:txBody>
+          <a:bodyPr>
+            <a:normAutofit/>
+          </a:bodyPr>
+          <a:lstStyle/>
+          <a:p>
+            <a:r>
+              <a:rPr lang="en-US" dirty="0"/>
+              <a:t>User Interface of the Game</a:t>
+            </a:r>
+          </a:p>
+        </p:txBody>
+      </p:sp>
+      <p:sp>
+        <p:nvSpPr>
+          <p:cNvPr id="8" name="Content Placeholder 7"/>
+          <p:cNvSpPr>
+            <a:spLocks noGrp="1"/>
+          </p:cNvSpPr>
+          <p:nvPr>
+            <p:ph idx="1"/>
+          </p:nvPr>
+        </p:nvSpPr>
+        <p:spPr>
+          <a:xfrm>
+            <a:off x="1451581" y="2015732"/>
+            <a:ext cx="4172212" cy="3450613"/>
+          </a:xfrm>
+        </p:spPr>
+        <p:txBody>
+          <a:bodyPr>
+            <a:normAutofit/>
+          </a:bodyPr>
           <a:lstStyle/>
           <a:p>
             <a:r>
               <a:rPr lang="en-US" dirty="0" smtClean="0"/>
-              <a:t>User Interface of the Game</a:t>
-            </a:r>
-            <a:endParaRPr lang="en-US" dirty="0"/>
-          </a:p>
-        </p:txBody>
-      </p:sp>
-      <p:sp>
-        <p:nvSpPr>
-          <p:cNvPr id="3" name="Content Placeholder 2"/>
-          <p:cNvSpPr>
-            <a:spLocks noGrp="1"/>
-          </p:cNvSpPr>
-          <p:nvPr>
-            <p:ph idx="1"/>
-          </p:nvPr>
-        </p:nvSpPr>
-        <p:spPr/>
-        <p:txBody>
-          <a:bodyPr/>
-          <a:lstStyle/>
-          <a:p>
+              <a:t>Game completion screen</a:t>
+            </a:r>
             <a:endParaRPr lang="en-US" dirty="0"/>
           </a:p>
         </p:txBody>
@@ -4512,13 +5366,20 @@
     </p:spTree>
     <p:extLst>
       <p:ext uri="{BB962C8B-B14F-4D97-AF65-F5344CB8AC3E}">
-        <p14:creationId xmlns:p14="http://schemas.microsoft.com/office/powerpoint/2010/main" val="261897372"/>
+        <p14:creationId xmlns:p14="http://schemas.microsoft.com/office/powerpoint/2010/main" val="2612498803"/>
       </p:ext>
     </p:extLst>
   </p:cSld>
   <p:clrMapOvr>
     <a:masterClrMapping/>
   </p:clrMapOvr>
+  <p:timing>
+    <p:tnLst>
+      <p:par>
+        <p:cTn id="1" dur="indefinite" restart="never" nodeType="tmRoot"/>
+      </p:par>
+    </p:tnLst>
+  </p:timing>
 </p:sld>
 </file>
 
@@ -4573,6 +5434,13 @@
   <p:clrMapOvr>
     <a:masterClrMapping/>
   </p:clrMapOvr>
+  <p:timing>
+    <p:tnLst>
+      <p:par>
+        <p:cTn id="1" dur="indefinite" restart="never" nodeType="tmRoot"/>
+      </p:par>
+    </p:tnLst>
+  </p:timing>
 </p:sld>
 </file>
 
